--- a/examples/bargaining/resource/simulator_illustration.pptx
+++ b/examples/bargaining/resource/simulator_illustration.pptx
@@ -5,13 +5,14 @@
     <p:sldMasterId id="2147483648" r:id="rId1"/>
   </p:sldMasterIdLst>
   <p:notesMasterIdLst>
-    <p:notesMasterId r:id="rId6"/>
+    <p:notesMasterId r:id="rId7"/>
   </p:notesMasterIdLst>
   <p:sldIdLst>
     <p:sldId id="257" r:id="rId2"/>
     <p:sldId id="259" r:id="rId3"/>
     <p:sldId id="260" r:id="rId4"/>
     <p:sldId id="258" r:id="rId5"/>
+    <p:sldId id="261" r:id="rId6"/>
   </p:sldIdLst>
   <p:sldSz cx="12192000" cy="6858000"/>
   <p:notesSz cx="6858000" cy="9144000"/>
@@ -4179,8 +4180,8 @@
           </a:p>
         </p:txBody>
       </p:sp>
-      <mc:AlternateContent xmlns:mc="http://schemas.openxmlformats.org/markup-compatibility/2006">
-        <mc:Choice xmlns:a14="http://schemas.microsoft.com/office/drawing/2010/main" Requires="a14">
+      <mc:AlternateContent xmlns:mc="http://schemas.openxmlformats.org/markup-compatibility/2006" xmlns:a14="http://schemas.microsoft.com/office/drawing/2010/main">
+        <mc:Choice Requires="a14">
           <p:sp>
             <p:nvSpPr>
               <p:cNvPr id="3" name="Content Placeholder 2">
@@ -4330,7 +4331,7 @@
             </p:txBody>
           </p:sp>
         </mc:Choice>
-        <mc:Fallback>
+        <mc:Fallback xmlns="">
           <p:sp>
             <p:nvSpPr>
               <p:cNvPr id="3" name="Content Placeholder 2">
@@ -4620,7 +4621,7 @@
             <p:ph idx="1"/>
             <p:extLst>
               <p:ext uri="{D42A27DB-BD31-4B8C-83A1-F6EECF244321}">
-                <p14:modId xmlns:p14="http://schemas.microsoft.com/office/powerpoint/2010/main" val="1694042199"/>
+                <p14:modId xmlns:p14="http://schemas.microsoft.com/office/powerpoint/2010/main" val="3046103657"/>
               </p:ext>
             </p:extLst>
           </p:nvPr>
@@ -5037,7 +5038,7 @@
                       <a:pPr algn="ctr"/>
                       <a:r>
                         <a:rPr lang="en-US" altLang="zh-CN" sz="1600" dirty="0"/>
-                        <a:t>0.4</a:t>
+                        <a:t>0.3</a:t>
                       </a:r>
                       <a:endParaRPr lang="zh-CN" altLang="en-US" sz="1600" dirty="0"/>
                     </a:p>
@@ -5052,7 +5053,7 @@
                       <a:pPr algn="ctr"/>
                       <a:r>
                         <a:rPr lang="en-US" altLang="zh-CN" sz="1600" dirty="0"/>
-                        <a:t>0.095</a:t>
+                        <a:t>-13.237</a:t>
                       </a:r>
                       <a:endParaRPr lang="zh-CN" altLang="en-US" sz="1600" dirty="0"/>
                     </a:p>
@@ -5067,7 +5068,7 @@
                       <a:pPr algn="ctr"/>
                       <a:r>
                         <a:rPr lang="en-US" altLang="zh-CN" sz="1600" dirty="0"/>
-                        <a:t>0.142</a:t>
+                        <a:t>18.758</a:t>
                       </a:r>
                       <a:endParaRPr lang="zh-CN" altLang="en-US" sz="1600" dirty="0"/>
                     </a:p>
@@ -5542,6 +5543,180 @@
     <p:extLst>
       <p:ext uri="{BB962C8B-B14F-4D97-AF65-F5344CB8AC3E}">
         <p14:creationId xmlns:p14="http://schemas.microsoft.com/office/powerpoint/2010/main" val="86564925"/>
+      </p:ext>
+    </p:extLst>
+  </p:cSld>
+  <p:clrMapOvr>
+    <a:masterClrMapping/>
+  </p:clrMapOvr>
+</p:sld>
+</file>
+
+<file path=ppt/slides/slide5.xml><?xml version="1.0" encoding="utf-8"?>
+<p:sld xmlns:a="http://schemas.openxmlformats.org/drawingml/2006/main" xmlns:r="http://schemas.openxmlformats.org/officeDocument/2006/relationships" xmlns:p="http://schemas.openxmlformats.org/presentationml/2006/main">
+  <p:cSld>
+    <p:spTree>
+      <p:nvGrpSpPr>
+        <p:cNvPr id="1" name=""/>
+        <p:cNvGrpSpPr/>
+        <p:nvPr/>
+      </p:nvGrpSpPr>
+      <p:grpSpPr>
+        <a:xfrm>
+          <a:off x="0" y="0"/>
+          <a:ext cx="0" cy="0"/>
+          <a:chOff x="0" y="0"/>
+          <a:chExt cx="0" cy="0"/>
+        </a:xfrm>
+      </p:grpSpPr>
+      <p:sp>
+        <p:nvSpPr>
+          <p:cNvPr id="2" name="Title 1">
+            <a:extLst>
+              <a:ext uri="{FF2B5EF4-FFF2-40B4-BE49-F238E27FC236}">
+                <a16:creationId xmlns:a16="http://schemas.microsoft.com/office/drawing/2014/main" id="{8A1F28B8-E41C-04FE-FD12-9BECDCE0EBD4}"/>
+              </a:ext>
+            </a:extLst>
+          </p:cNvPr>
+          <p:cNvSpPr>
+            <a:spLocks noGrp="1"/>
+          </p:cNvSpPr>
+          <p:nvPr>
+            <p:ph type="title"/>
+          </p:nvPr>
+        </p:nvSpPr>
+        <p:spPr/>
+        <p:txBody>
+          <a:bodyPr/>
+          <a:lstStyle/>
+          <a:p>
+            <a:endParaRPr lang="zh-CN" altLang="en-US"/>
+          </a:p>
+        </p:txBody>
+      </p:sp>
+      <p:pic>
+        <p:nvPicPr>
+          <p:cNvPr id="5" name="Content Placeholder 4">
+            <a:extLst>
+              <a:ext uri="{FF2B5EF4-FFF2-40B4-BE49-F238E27FC236}">
+                <a16:creationId xmlns:a16="http://schemas.microsoft.com/office/drawing/2014/main" id="{FA11B8E6-D25C-972F-AE70-0F87799EB60C}"/>
+              </a:ext>
+            </a:extLst>
+          </p:cNvPr>
+          <p:cNvPicPr>
+            <a:picLocks noGrp="1" noChangeAspect="1"/>
+          </p:cNvPicPr>
+          <p:nvPr>
+            <p:ph idx="1"/>
+          </p:nvPr>
+        </p:nvPicPr>
+        <p:blipFill>
+          <a:blip r:embed="rId2"/>
+          <a:stretch>
+            <a:fillRect/>
+          </a:stretch>
+        </p:blipFill>
+        <p:spPr>
+          <a:xfrm>
+            <a:off x="1437625" y="197410"/>
+            <a:ext cx="9316750" cy="1352739"/>
+          </a:xfrm>
+        </p:spPr>
+      </p:pic>
+      <p:pic>
+        <p:nvPicPr>
+          <p:cNvPr id="7" name="Picture 6">
+            <a:extLst>
+              <a:ext uri="{FF2B5EF4-FFF2-40B4-BE49-F238E27FC236}">
+                <a16:creationId xmlns:a16="http://schemas.microsoft.com/office/drawing/2014/main" id="{60E4585E-5594-11C7-4FB2-0119AC5DD34B}"/>
+              </a:ext>
+            </a:extLst>
+          </p:cNvPr>
+          <p:cNvPicPr>
+            <a:picLocks noChangeAspect="1"/>
+          </p:cNvPicPr>
+          <p:nvPr/>
+        </p:nvPicPr>
+        <p:blipFill>
+          <a:blip r:embed="rId3"/>
+          <a:stretch>
+            <a:fillRect/>
+          </a:stretch>
+        </p:blipFill>
+        <p:spPr>
+          <a:xfrm>
+            <a:off x="0" y="1858403"/>
+            <a:ext cx="12192000" cy="1154114"/>
+          </a:xfrm>
+          <a:prstGeom prst="rect">
+            <a:avLst/>
+          </a:prstGeom>
+        </p:spPr>
+      </p:pic>
+      <p:pic>
+        <p:nvPicPr>
+          <p:cNvPr id="9" name="Picture 8">
+            <a:extLst>
+              <a:ext uri="{FF2B5EF4-FFF2-40B4-BE49-F238E27FC236}">
+                <a16:creationId xmlns:a16="http://schemas.microsoft.com/office/drawing/2014/main" id="{E2B583BD-8F74-3440-04CA-9EBEF6F10E53}"/>
+              </a:ext>
+            </a:extLst>
+          </p:cNvPr>
+          <p:cNvPicPr>
+            <a:picLocks noChangeAspect="1"/>
+          </p:cNvPicPr>
+          <p:nvPr/>
+        </p:nvPicPr>
+        <p:blipFill>
+          <a:blip r:embed="rId4"/>
+          <a:stretch>
+            <a:fillRect/>
+          </a:stretch>
+        </p:blipFill>
+        <p:spPr>
+          <a:xfrm>
+            <a:off x="0" y="3180232"/>
+            <a:ext cx="12192000" cy="1369685"/>
+          </a:xfrm>
+          <a:prstGeom prst="rect">
+            <a:avLst/>
+          </a:prstGeom>
+        </p:spPr>
+      </p:pic>
+      <p:pic>
+        <p:nvPicPr>
+          <p:cNvPr id="11" name="Picture 10">
+            <a:extLst>
+              <a:ext uri="{FF2B5EF4-FFF2-40B4-BE49-F238E27FC236}">
+                <a16:creationId xmlns:a16="http://schemas.microsoft.com/office/drawing/2014/main" id="{F47412D8-1D86-060C-E308-B37048706880}"/>
+              </a:ext>
+            </a:extLst>
+          </p:cNvPr>
+          <p:cNvPicPr>
+            <a:picLocks noChangeAspect="1"/>
+          </p:cNvPicPr>
+          <p:nvPr/>
+        </p:nvPicPr>
+        <p:blipFill>
+          <a:blip r:embed="rId5"/>
+          <a:stretch>
+            <a:fillRect/>
+          </a:stretch>
+        </p:blipFill>
+        <p:spPr>
+          <a:xfrm>
+            <a:off x="0" y="4717632"/>
+            <a:ext cx="12192000" cy="1202498"/>
+          </a:xfrm>
+          <a:prstGeom prst="rect">
+            <a:avLst/>
+          </a:prstGeom>
+        </p:spPr>
+      </p:pic>
+    </p:spTree>
+    <p:extLst>
+      <p:ext uri="{BB962C8B-B14F-4D97-AF65-F5344CB8AC3E}">
+        <p14:creationId xmlns:p14="http://schemas.microsoft.com/office/powerpoint/2010/main" val="2740974792"/>
       </p:ext>
     </p:extLst>
   </p:cSld>
